--- a/golang_share.pptx
+++ b/golang_share.pptx
@@ -6,21 +6,22 @@
   </p:sldMasterIdLst>
   <p:sldIdLst>
     <p:sldId id="256" r:id="rId2"/>
-    <p:sldId id="257" r:id="rId3"/>
-    <p:sldId id="258" r:id="rId4"/>
-    <p:sldId id="267" r:id="rId5"/>
-    <p:sldId id="271" r:id="rId6"/>
-    <p:sldId id="268" r:id="rId7"/>
-    <p:sldId id="269" r:id="rId8"/>
-    <p:sldId id="262" r:id="rId9"/>
-    <p:sldId id="263" r:id="rId10"/>
-    <p:sldId id="270" r:id="rId11"/>
-    <p:sldId id="260" r:id="rId12"/>
-    <p:sldId id="261" r:id="rId13"/>
-    <p:sldId id="259" r:id="rId14"/>
-    <p:sldId id="264" r:id="rId15"/>
-    <p:sldId id="265" r:id="rId16"/>
-    <p:sldId id="266" r:id="rId17"/>
+    <p:sldId id="272" r:id="rId3"/>
+    <p:sldId id="257" r:id="rId4"/>
+    <p:sldId id="258" r:id="rId5"/>
+    <p:sldId id="267" r:id="rId6"/>
+    <p:sldId id="271" r:id="rId7"/>
+    <p:sldId id="268" r:id="rId8"/>
+    <p:sldId id="269" r:id="rId9"/>
+    <p:sldId id="262" r:id="rId10"/>
+    <p:sldId id="263" r:id="rId11"/>
+    <p:sldId id="270" r:id="rId12"/>
+    <p:sldId id="260" r:id="rId13"/>
+    <p:sldId id="261" r:id="rId14"/>
+    <p:sldId id="259" r:id="rId15"/>
+    <p:sldId id="264" r:id="rId16"/>
+    <p:sldId id="265" r:id="rId17"/>
+    <p:sldId id="266" r:id="rId18"/>
   </p:sldIdLst>
   <p:sldSz cx="9144000" cy="6858000" type="screen4x3"/>
   <p:notesSz cx="6858000" cy="9144000"/>
@@ -304,7 +305,7 @@
             <a:fld id="{530820CF-B880-4189-942D-D702A7CBA730}" type="datetimeFigureOut">
               <a:rPr lang="zh-CN" altLang="en-US" smtClean="0"/>
               <a:pPr/>
-              <a:t>2018/4/14 Saturday</a:t>
+              <a:t>2018/4/30 Monday</a:t>
             </a:fld>
             <a:endParaRPr lang="zh-CN" altLang="en-US"/>
           </a:p>
@@ -471,7 +472,7 @@
             <a:fld id="{530820CF-B880-4189-942D-D702A7CBA730}" type="datetimeFigureOut">
               <a:rPr lang="zh-CN" altLang="en-US" smtClean="0"/>
               <a:pPr/>
-              <a:t>2018/4/14 Saturday</a:t>
+              <a:t>2018/4/30 Monday</a:t>
             </a:fld>
             <a:endParaRPr lang="zh-CN" altLang="en-US"/>
           </a:p>
@@ -648,7 +649,7 @@
             <a:fld id="{530820CF-B880-4189-942D-D702A7CBA730}" type="datetimeFigureOut">
               <a:rPr lang="zh-CN" altLang="en-US" smtClean="0"/>
               <a:pPr/>
-              <a:t>2018/4/14 Saturday</a:t>
+              <a:t>2018/4/30 Monday</a:t>
             </a:fld>
             <a:endParaRPr lang="zh-CN" altLang="en-US"/>
           </a:p>
@@ -815,7 +816,7 @@
             <a:fld id="{530820CF-B880-4189-942D-D702A7CBA730}" type="datetimeFigureOut">
               <a:rPr lang="zh-CN" altLang="en-US" smtClean="0"/>
               <a:pPr/>
-              <a:t>2018/4/14 Saturday</a:t>
+              <a:t>2018/4/30 Monday</a:t>
             </a:fld>
             <a:endParaRPr lang="zh-CN" altLang="en-US"/>
           </a:p>
@@ -1058,7 +1059,7 @@
             <a:fld id="{530820CF-B880-4189-942D-D702A7CBA730}" type="datetimeFigureOut">
               <a:rPr lang="zh-CN" altLang="en-US" smtClean="0"/>
               <a:pPr/>
-              <a:t>2018/4/14 Saturday</a:t>
+              <a:t>2018/4/30 Monday</a:t>
             </a:fld>
             <a:endParaRPr lang="zh-CN" altLang="en-US"/>
           </a:p>
@@ -1343,7 +1344,7 @@
             <a:fld id="{530820CF-B880-4189-942D-D702A7CBA730}" type="datetimeFigureOut">
               <a:rPr lang="zh-CN" altLang="en-US" smtClean="0"/>
               <a:pPr/>
-              <a:t>2018/4/14 Saturday</a:t>
+              <a:t>2018/4/30 Monday</a:t>
             </a:fld>
             <a:endParaRPr lang="zh-CN" altLang="en-US"/>
           </a:p>
@@ -1762,7 +1763,7 @@
             <a:fld id="{530820CF-B880-4189-942D-D702A7CBA730}" type="datetimeFigureOut">
               <a:rPr lang="zh-CN" altLang="en-US" smtClean="0"/>
               <a:pPr/>
-              <a:t>2018/4/14 Saturday</a:t>
+              <a:t>2018/4/30 Monday</a:t>
             </a:fld>
             <a:endParaRPr lang="zh-CN" altLang="en-US"/>
           </a:p>
@@ -1877,7 +1878,7 @@
             <a:fld id="{530820CF-B880-4189-942D-D702A7CBA730}" type="datetimeFigureOut">
               <a:rPr lang="zh-CN" altLang="en-US" smtClean="0"/>
               <a:pPr/>
-              <a:t>2018/4/14 Saturday</a:t>
+              <a:t>2018/4/30 Monday</a:t>
             </a:fld>
             <a:endParaRPr lang="zh-CN" altLang="en-US"/>
           </a:p>
@@ -1969,7 +1970,7 @@
             <a:fld id="{530820CF-B880-4189-942D-D702A7CBA730}" type="datetimeFigureOut">
               <a:rPr lang="zh-CN" altLang="en-US" smtClean="0"/>
               <a:pPr/>
-              <a:t>2018/4/14 Saturday</a:t>
+              <a:t>2018/4/30 Monday</a:t>
             </a:fld>
             <a:endParaRPr lang="zh-CN" altLang="en-US"/>
           </a:p>
@@ -2243,7 +2244,7 @@
             <a:fld id="{530820CF-B880-4189-942D-D702A7CBA730}" type="datetimeFigureOut">
               <a:rPr lang="zh-CN" altLang="en-US" smtClean="0"/>
               <a:pPr/>
-              <a:t>2018/4/14 Saturday</a:t>
+              <a:t>2018/4/30 Monday</a:t>
             </a:fld>
             <a:endParaRPr lang="zh-CN" altLang="en-US"/>
           </a:p>
@@ -2493,7 +2494,7 @@
             <a:fld id="{530820CF-B880-4189-942D-D702A7CBA730}" type="datetimeFigureOut">
               <a:rPr lang="zh-CN" altLang="en-US" smtClean="0"/>
               <a:pPr/>
-              <a:t>2018/4/14 Saturday</a:t>
+              <a:t>2018/4/30 Monday</a:t>
             </a:fld>
             <a:endParaRPr lang="zh-CN" altLang="en-US"/>
           </a:p>
@@ -2703,7 +2704,7 @@
             <a:fld id="{530820CF-B880-4189-942D-D702A7CBA730}" type="datetimeFigureOut">
               <a:rPr lang="zh-CN" altLang="en-US" smtClean="0"/>
               <a:pPr/>
-              <a:t>2018/4/14 Saturday</a:t>
+              <a:t>2018/4/30 Monday</a:t>
             </a:fld>
             <a:endParaRPr lang="zh-CN" altLang="en-US"/>
           </a:p>
@@ -3131,11 +3132,7 @@
             <a:pPr algn="l"/>
             <a:r>
               <a:rPr lang="zh-CN" altLang="en-US" dirty="0" smtClean="0"/>
-              <a:t>分</a:t>
-            </a:r>
-            <a:r>
-              <a:rPr lang="zh-CN" altLang="en-US" dirty="0" smtClean="0"/>
-              <a:t>享人</a:t>
+              <a:t>分享人</a:t>
             </a:r>
             <a:r>
               <a:rPr lang="en-US" altLang="zh-CN" dirty="0" smtClean="0"/>
@@ -3159,11 +3156,7 @@
             <a:pPr algn="l"/>
             <a:r>
               <a:rPr lang="zh-CN" altLang="en-US" dirty="0" smtClean="0"/>
-              <a:t>过</a:t>
-            </a:r>
-            <a:r>
-              <a:rPr lang="zh-CN" altLang="en-US" dirty="0" smtClean="0"/>
-              <a:t>去老师历史与选题</a:t>
+              <a:t>过去老师历史与选题</a:t>
             </a:r>
             <a:endParaRPr lang="en-US" altLang="zh-CN" dirty="0" smtClean="0"/>
           </a:p>
@@ -3219,7 +3212,7 @@
       </p:sp>
       <p:pic>
         <p:nvPicPr>
-          <p:cNvPr id="8194" name="Picture 2"/>
+          <p:cNvPr id="4098" name="Picture 2"/>
           <p:cNvPicPr>
             <a:picLocks noGrp="1" noChangeAspect="1" noChangeArrowheads="1"/>
           </p:cNvPicPr>
@@ -3236,8 +3229,8 @@
         </p:blipFill>
         <p:spPr bwMode="auto">
           <a:xfrm>
-            <a:off x="457200" y="2471088"/>
-            <a:ext cx="8229600" cy="2784187"/>
+            <a:off x="966787" y="2815431"/>
+            <a:ext cx="7210425" cy="2095500"/>
           </a:xfrm>
           <a:prstGeom prst="rect">
             <a:avLst/>
@@ -3291,17 +3284,13 @@
           <a:bodyPr/>
           <a:lstStyle/>
           <a:p>
-            <a:r>
-              <a:rPr lang="zh-CN" altLang="en-US" dirty="0" smtClean="0"/>
-              <a:t>优势与特征</a:t>
-            </a:r>
-            <a:endParaRPr lang="zh-CN" altLang="en-US" dirty="0"/>
+            <a:endParaRPr lang="zh-CN" altLang="en-US"/>
           </a:p>
         </p:txBody>
       </p:sp>
       <p:pic>
         <p:nvPicPr>
-          <p:cNvPr id="1026" name="Picture 2"/>
+          <p:cNvPr id="8194" name="Picture 2"/>
           <p:cNvPicPr>
             <a:picLocks noGrp="1" noChangeAspect="1" noChangeArrowheads="1"/>
           </p:cNvPicPr>
@@ -3318,8 +3307,8 @@
         </p:blipFill>
         <p:spPr bwMode="auto">
           <a:xfrm>
-            <a:off x="457200" y="2044102"/>
-            <a:ext cx="8229600" cy="3638159"/>
+            <a:off x="457200" y="2471088"/>
+            <a:ext cx="8229600" cy="2784187"/>
           </a:xfrm>
           <a:prstGeom prst="rect">
             <a:avLst/>
@@ -3375,11 +3364,7 @@
           <a:p>
             <a:r>
               <a:rPr lang="zh-CN" altLang="en-US" dirty="0" smtClean="0"/>
-              <a:t>快</a:t>
-            </a:r>
-            <a:r>
-              <a:rPr lang="zh-CN" altLang="en-US" dirty="0" smtClean="0"/>
-              <a:t>速学会</a:t>
+              <a:t>优势与特征</a:t>
             </a:r>
             <a:endParaRPr lang="zh-CN" altLang="en-US" dirty="0"/>
           </a:p>
@@ -3387,7 +3372,7 @@
       </p:sp>
       <p:pic>
         <p:nvPicPr>
-          <p:cNvPr id="2050" name="Picture 2"/>
+          <p:cNvPr id="1026" name="Picture 2"/>
           <p:cNvPicPr>
             <a:picLocks noGrp="1" noChangeAspect="1" noChangeArrowheads="1"/>
           </p:cNvPicPr>
@@ -3404,8 +3389,8 @@
         </p:blipFill>
         <p:spPr bwMode="auto">
           <a:xfrm>
-            <a:off x="1781499" y="1600200"/>
-            <a:ext cx="5581002" cy="4525963"/>
+            <a:off x="457200" y="2044102"/>
+            <a:ext cx="8229600" cy="3638159"/>
           </a:xfrm>
           <a:prstGeom prst="rect">
             <a:avLst/>
@@ -3456,73 +3441,51 @@
         </p:nvSpPr>
         <p:spPr/>
         <p:txBody>
-          <a:bodyPr>
-            <a:normAutofit fontScale="90000"/>
-          </a:bodyPr>
-          <a:lstStyle/>
-          <a:p>
-            <a:r>
-              <a:rPr lang="zh-CN" altLang="en-US" b="1" dirty="0" smtClean="0"/>
-              <a:t>從 </a:t>
-            </a:r>
-            <a:r>
-              <a:rPr lang="en-US" altLang="zh-CN" b="1" dirty="0" err="1" smtClean="0"/>
-              <a:t>PHPer</a:t>
-            </a:r>
-            <a:r>
-              <a:rPr lang="en-US" altLang="zh-CN" b="1" dirty="0" smtClean="0"/>
-              <a:t> </a:t>
-            </a:r>
-            <a:r>
-              <a:rPr lang="zh-CN" altLang="en-US" b="1" dirty="0" smtClean="0"/>
-              <a:t>到 </a:t>
-            </a:r>
-            <a:r>
-              <a:rPr lang="en-US" altLang="zh-CN" b="1" dirty="0" err="1" smtClean="0"/>
-              <a:t>Golang</a:t>
-            </a:r>
-            <a:r>
-              <a:rPr lang="en-US" altLang="zh-CN" b="1" dirty="0" smtClean="0"/>
-              <a:t> </a:t>
-            </a:r>
-            <a:r>
-              <a:rPr lang="zh-CN" altLang="en-US" b="1" dirty="0" smtClean="0"/>
-              <a:t>优势</a:t>
-            </a:r>
-            <a:br>
-              <a:rPr lang="zh-CN" altLang="en-US" b="1" dirty="0" smtClean="0"/>
-            </a:br>
+          <a:bodyPr/>
+          <a:lstStyle/>
+          <a:p>
+            <a:r>
+              <a:rPr lang="zh-CN" altLang="en-US" dirty="0" smtClean="0"/>
+              <a:t>快速学会</a:t>
+            </a:r>
             <a:endParaRPr lang="zh-CN" altLang="en-US" dirty="0"/>
           </a:p>
         </p:txBody>
       </p:sp>
-      <p:sp>
-        <p:nvSpPr>
-          <p:cNvPr id="3" name="内容占位符 2"/>
-          <p:cNvSpPr>
-            <a:spLocks noGrp="1"/>
-          </p:cNvSpPr>
+      <p:pic>
+        <p:nvPicPr>
+          <p:cNvPr id="2050" name="Picture 2"/>
+          <p:cNvPicPr>
+            <a:picLocks noGrp="1" noChangeAspect="1" noChangeArrowheads="1"/>
+          </p:cNvPicPr>
           <p:nvPr>
             <p:ph idx="1"/>
           </p:nvPr>
-        </p:nvSpPr>
-        <p:spPr/>
-        <p:txBody>
-          <a:bodyPr/>
-          <a:lstStyle/>
-          <a:p>
-            <a:r>
-              <a:rPr lang="en-US" altLang="zh-CN" dirty="0" smtClean="0"/>
-              <a:t>1</a:t>
-            </a:r>
-            <a:r>
-              <a:rPr lang="zh-CN" altLang="en-US" dirty="0" smtClean="0"/>
-              <a:t>、</a:t>
-            </a:r>
-            <a:endParaRPr lang="zh-CN" altLang="en-US" dirty="0"/>
-          </a:p>
-        </p:txBody>
-      </p:sp>
+        </p:nvPicPr>
+        <p:blipFill>
+          <a:blip r:embed="rId2" cstate="print"/>
+          <a:srcRect/>
+          <a:stretch>
+            <a:fillRect/>
+          </a:stretch>
+        </p:blipFill>
+        <p:spPr bwMode="auto">
+          <a:xfrm>
+            <a:off x="1781499" y="1600200"/>
+            <a:ext cx="5581002" cy="4525963"/>
+          </a:xfrm>
+          <a:prstGeom prst="rect">
+            <a:avLst/>
+          </a:prstGeom>
+          <a:noFill/>
+          <a:ln w="9525">
+            <a:noFill/>
+            <a:miter lim="800000"/>
+            <a:headEnd/>
+            <a:tailEnd/>
+          </a:ln>
+        </p:spPr>
+      </p:pic>
     </p:spTree>
   </p:cSld>
   <p:clrMapOvr>
@@ -3532,6 +3495,110 @@
 </file>
 
 <file path=ppt/slides/slide14.xml><?xml version="1.0" encoding="utf-8"?>
+<p:sld xmlns:a="http://schemas.openxmlformats.org/drawingml/2006/main" xmlns:r="http://schemas.openxmlformats.org/officeDocument/2006/relationships" xmlns:p="http://schemas.openxmlformats.org/presentationml/2006/main">
+  <p:cSld>
+    <p:spTree>
+      <p:nvGrpSpPr>
+        <p:cNvPr id="1" name=""/>
+        <p:cNvGrpSpPr/>
+        <p:nvPr/>
+      </p:nvGrpSpPr>
+      <p:grpSpPr>
+        <a:xfrm>
+          <a:off x="0" y="0"/>
+          <a:ext cx="0" cy="0"/>
+          <a:chOff x="0" y="0"/>
+          <a:chExt cx="0" cy="0"/>
+        </a:xfrm>
+      </p:grpSpPr>
+      <p:sp>
+        <p:nvSpPr>
+          <p:cNvPr id="2" name="标题 1"/>
+          <p:cNvSpPr>
+            <a:spLocks noGrp="1"/>
+          </p:cNvSpPr>
+          <p:nvPr>
+            <p:ph type="title"/>
+          </p:nvPr>
+        </p:nvSpPr>
+        <p:spPr/>
+        <p:txBody>
+          <a:bodyPr>
+            <a:normAutofit fontScale="90000"/>
+          </a:bodyPr>
+          <a:lstStyle/>
+          <a:p>
+            <a:r>
+              <a:rPr lang="zh-CN" altLang="en-US" b="1" dirty="0" smtClean="0"/>
+              <a:t>從 </a:t>
+            </a:r>
+            <a:r>
+              <a:rPr lang="en-US" altLang="zh-CN" b="1" dirty="0" err="1" smtClean="0"/>
+              <a:t>PHPer</a:t>
+            </a:r>
+            <a:r>
+              <a:rPr lang="en-US" altLang="zh-CN" b="1" dirty="0" smtClean="0"/>
+              <a:t> </a:t>
+            </a:r>
+            <a:r>
+              <a:rPr lang="zh-CN" altLang="en-US" b="1" dirty="0" smtClean="0"/>
+              <a:t>到 </a:t>
+            </a:r>
+            <a:r>
+              <a:rPr lang="en-US" altLang="zh-CN" b="1" dirty="0" err="1" smtClean="0"/>
+              <a:t>Golang</a:t>
+            </a:r>
+            <a:r>
+              <a:rPr lang="en-US" altLang="zh-CN" b="1" dirty="0" smtClean="0"/>
+              <a:t> </a:t>
+            </a:r>
+            <a:r>
+              <a:rPr lang="zh-CN" altLang="en-US" b="1" dirty="0" smtClean="0"/>
+              <a:t>优势</a:t>
+            </a:r>
+            <a:br>
+              <a:rPr lang="zh-CN" altLang="en-US" b="1" dirty="0" smtClean="0"/>
+            </a:br>
+            <a:endParaRPr lang="zh-CN" altLang="en-US" dirty="0"/>
+          </a:p>
+        </p:txBody>
+      </p:sp>
+      <p:sp>
+        <p:nvSpPr>
+          <p:cNvPr id="3" name="内容占位符 2"/>
+          <p:cNvSpPr>
+            <a:spLocks noGrp="1"/>
+          </p:cNvSpPr>
+          <p:nvPr>
+            <p:ph idx="1"/>
+          </p:nvPr>
+        </p:nvSpPr>
+        <p:spPr/>
+        <p:txBody>
+          <a:bodyPr/>
+          <a:lstStyle/>
+          <a:p>
+            <a:r>
+              <a:rPr lang="en-US" altLang="zh-CN" dirty="0" smtClean="0"/>
+              <a:t>1</a:t>
+            </a:r>
+            <a:r>
+              <a:rPr lang="zh-CN" altLang="en-US" dirty="0" smtClean="0"/>
+              <a:t>、</a:t>
+            </a:r>
+            <a:endParaRPr lang="zh-CN" altLang="en-US" dirty="0"/>
+          </a:p>
+        </p:txBody>
+      </p:sp>
+    </p:spTree>
+  </p:cSld>
+  <p:clrMapOvr>
+    <a:masterClrMapping/>
+  </p:clrMapOvr>
+</p:sld>
+</file>
+
+<file path=ppt/slides/slide15.xml><?xml version="1.0" encoding="utf-8"?>
 <p:sld xmlns:a="http://schemas.openxmlformats.org/drawingml/2006/main" xmlns:r="http://schemas.openxmlformats.org/officeDocument/2006/relationships" xmlns:p="http://schemas.openxmlformats.org/presentationml/2006/main">
   <p:cSld>
     <p:spTree>
@@ -3609,7 +3676,7 @@
 </p:sld>
 </file>
 
-<file path=ppt/slides/slide15.xml><?xml version="1.0" encoding="utf-8"?>
+<file path=ppt/slides/slide16.xml><?xml version="1.0" encoding="utf-8"?>
 <p:sld xmlns:a="http://schemas.openxmlformats.org/drawingml/2006/main" xmlns:r="http://schemas.openxmlformats.org/officeDocument/2006/relationships" xmlns:p="http://schemas.openxmlformats.org/presentationml/2006/main">
   <p:cSld>
     <p:spTree>
@@ -3720,34 +3787,14 @@
           <a:p>
             <a:r>
               <a:rPr lang="zh-CN" altLang="en-US" dirty="0" smtClean="0"/>
-              <a:t>开发</a:t>
-            </a:r>
-            <a:r>
-              <a:rPr lang="zh-CN" altLang="en-US" dirty="0" smtClean="0"/>
-              <a:t>效</a:t>
-            </a:r>
-            <a:r>
-              <a:rPr lang="zh-CN" altLang="en-US" dirty="0" smtClean="0"/>
-              <a:t>率快，节约人力成本</a:t>
+              <a:t>开发效率快，节约人力成本</a:t>
             </a:r>
             <a:endParaRPr lang="en-US" altLang="zh-CN" dirty="0" smtClean="0"/>
           </a:p>
           <a:p>
             <a:r>
               <a:rPr lang="zh-CN" altLang="en-US" dirty="0" smtClean="0"/>
-              <a:t>运</a:t>
-            </a:r>
-            <a:r>
-              <a:rPr lang="zh-CN" altLang="en-US" dirty="0" smtClean="0"/>
-              <a:t>行</a:t>
-            </a:r>
-            <a:r>
-              <a:rPr lang="zh-CN" altLang="en-US" dirty="0" smtClean="0"/>
-              <a:t>速度</a:t>
-            </a:r>
-            <a:r>
-              <a:rPr lang="zh-CN" altLang="en-US" dirty="0" smtClean="0"/>
-              <a:t>高，并发大，节约服务器成本</a:t>
+              <a:t>运行速度高，并发大，节约服务器成本</a:t>
             </a:r>
             <a:endParaRPr lang="en-US" altLang="zh-CN" dirty="0" smtClean="0"/>
           </a:p>
@@ -3761,7 +3808,7 @@
 </p:sld>
 </file>
 
-<file path=ppt/slides/slide16.xml><?xml version="1.0" encoding="utf-8"?>
+<file path=ppt/slides/slide17.xml><?xml version="1.0" encoding="utf-8"?>
 <p:sld xmlns:a="http://schemas.openxmlformats.org/drawingml/2006/main" xmlns:r="http://schemas.openxmlformats.org/officeDocument/2006/relationships" xmlns:p="http://schemas.openxmlformats.org/presentationml/2006/main">
   <p:cSld>
     <p:spTree>
@@ -3855,33 +3902,6 @@
       </p:grpSpPr>
       <p:sp>
         <p:nvSpPr>
-          <p:cNvPr id="2" name="标题 1"/>
-          <p:cNvSpPr>
-            <a:spLocks noGrp="1"/>
-          </p:cNvSpPr>
-          <p:nvPr>
-            <p:ph type="title"/>
-          </p:nvPr>
-        </p:nvSpPr>
-        <p:spPr/>
-        <p:txBody>
-          <a:bodyPr/>
-          <a:lstStyle/>
-          <a:p>
-            <a:r>
-              <a:rPr lang="en-US" altLang="zh-CN" b="1" dirty="0" smtClean="0"/>
-              <a:t>1.1 </a:t>
-            </a:r>
-            <a:r>
-              <a:rPr lang="zh-CN" altLang="en-US" b="1" dirty="0" smtClean="0"/>
-              <a:t>起源与发展</a:t>
-            </a:r>
-            <a:endParaRPr lang="zh-CN" altLang="en-US" b="1" dirty="0"/>
-          </a:p>
-        </p:txBody>
-      </p:sp>
-      <p:sp>
-        <p:nvSpPr>
           <p:cNvPr id="3" name="内容占位符 2"/>
           <p:cNvSpPr>
             <a:spLocks noGrp="1"/>
@@ -3892,262 +3912,46 @@
         </p:nvSpPr>
         <p:spPr/>
         <p:txBody>
-          <a:bodyPr>
-            <a:normAutofit fontScale="85000" lnSpcReduction="20000"/>
-          </a:bodyPr>
-          <a:lstStyle/>
-          <a:p>
-            <a:r>
-              <a:rPr lang="en-US" altLang="zh-CN" dirty="0" smtClean="0"/>
-              <a:t>Go </a:t>
-            </a:r>
-            <a:r>
-              <a:rPr lang="zh-CN" altLang="en-US" dirty="0" smtClean="0"/>
-              <a:t>语言起源 </a:t>
-            </a:r>
-            <a:r>
-              <a:rPr lang="en-US" altLang="zh-CN" dirty="0" smtClean="0"/>
-              <a:t>2007 </a:t>
-            </a:r>
-            <a:r>
-              <a:rPr lang="zh-CN" altLang="en-US" dirty="0" smtClean="0"/>
-              <a:t>年，并于 </a:t>
-            </a:r>
-            <a:r>
-              <a:rPr lang="en-US" altLang="zh-CN" dirty="0" smtClean="0"/>
-              <a:t>2009 </a:t>
-            </a:r>
-            <a:r>
-              <a:rPr lang="zh-CN" altLang="en-US" dirty="0" smtClean="0"/>
-              <a:t>年正式对外发布。它从 </a:t>
-            </a:r>
-            <a:r>
-              <a:rPr lang="en-US" altLang="zh-CN" dirty="0" smtClean="0"/>
-              <a:t>2009 </a:t>
-            </a:r>
-            <a:r>
-              <a:rPr lang="zh-CN" altLang="en-US" dirty="0" smtClean="0"/>
-              <a:t>年 </a:t>
-            </a:r>
-            <a:r>
-              <a:rPr lang="en-US" altLang="zh-CN" dirty="0" smtClean="0"/>
-              <a:t>9 </a:t>
-            </a:r>
-            <a:r>
-              <a:rPr lang="zh-CN" altLang="en-US" dirty="0" smtClean="0"/>
-              <a:t>月 </a:t>
-            </a:r>
-            <a:r>
-              <a:rPr lang="en-US" altLang="zh-CN" dirty="0" smtClean="0"/>
-              <a:t>21 </a:t>
-            </a:r>
-            <a:r>
-              <a:rPr lang="zh-CN" altLang="en-US" dirty="0" smtClean="0"/>
-              <a:t>日开始作为谷歌公司 </a:t>
-            </a:r>
-            <a:r>
-              <a:rPr lang="en-US" altLang="zh-CN" dirty="0" smtClean="0"/>
-              <a:t>20% </a:t>
-            </a:r>
-            <a:r>
-              <a:rPr lang="zh-CN" altLang="en-US" dirty="0" smtClean="0"/>
-              <a:t>兼职项目，即相关员工利用 </a:t>
-            </a:r>
-            <a:r>
-              <a:rPr lang="en-US" altLang="zh-CN" dirty="0" smtClean="0"/>
-              <a:t>20% </a:t>
-            </a:r>
-            <a:r>
-              <a:rPr lang="zh-CN" altLang="en-US" dirty="0" smtClean="0"/>
-              <a:t>的空余时间来参与 </a:t>
-            </a:r>
-            <a:r>
-              <a:rPr lang="en-US" altLang="zh-CN" dirty="0" smtClean="0"/>
-              <a:t>Go </a:t>
-            </a:r>
-            <a:r>
-              <a:rPr lang="zh-CN" altLang="en-US" dirty="0" smtClean="0"/>
-              <a:t>语言的研发工作。该项目的三位领导者均是著名的 </a:t>
-            </a:r>
-            <a:r>
-              <a:rPr lang="en-US" altLang="zh-CN" dirty="0" smtClean="0"/>
-              <a:t>IT </a:t>
-            </a:r>
-            <a:r>
-              <a:rPr lang="zh-CN" altLang="en-US" dirty="0" smtClean="0"/>
-              <a:t>工程师：</a:t>
-            </a:r>
-            <a:r>
-              <a:rPr lang="en-US" altLang="zh-CN" dirty="0" smtClean="0"/>
-              <a:t>Robert </a:t>
-            </a:r>
-            <a:r>
-              <a:rPr lang="en-US" altLang="zh-CN" dirty="0" err="1" smtClean="0"/>
-              <a:t>Griesemer</a:t>
-            </a:r>
-            <a:r>
-              <a:rPr lang="zh-CN" altLang="en-US" dirty="0" smtClean="0"/>
-              <a:t>，参与开发 </a:t>
-            </a:r>
-            <a:r>
-              <a:rPr lang="en-US" altLang="zh-CN" dirty="0" smtClean="0"/>
-              <a:t>Java </a:t>
-            </a:r>
-            <a:r>
-              <a:rPr lang="en-US" altLang="zh-CN" dirty="0" err="1" smtClean="0"/>
-              <a:t>HotSpot</a:t>
-            </a:r>
-            <a:r>
-              <a:rPr lang="en-US" altLang="zh-CN" dirty="0" smtClean="0"/>
-              <a:t> </a:t>
-            </a:r>
-            <a:r>
-              <a:rPr lang="zh-CN" altLang="en-US" dirty="0" smtClean="0"/>
-              <a:t>虚拟机；</a:t>
-            </a:r>
-            <a:r>
-              <a:rPr lang="en-US" altLang="zh-CN" dirty="0" smtClean="0"/>
-              <a:t>Rob Pike</a:t>
-            </a:r>
-            <a:r>
-              <a:rPr lang="zh-CN" altLang="en-US" dirty="0" smtClean="0"/>
-              <a:t>，</a:t>
-            </a:r>
-            <a:r>
-              <a:rPr lang="en-US" altLang="zh-CN" dirty="0" smtClean="0"/>
-              <a:t>Go </a:t>
-            </a:r>
-            <a:r>
-              <a:rPr lang="zh-CN" altLang="en-US" dirty="0" smtClean="0"/>
-              <a:t>语言项目总负责人，贝尔实验室 </a:t>
-            </a:r>
-            <a:r>
-              <a:rPr lang="en-US" altLang="zh-CN" dirty="0" smtClean="0"/>
-              <a:t>Unix </a:t>
-            </a:r>
-            <a:r>
-              <a:rPr lang="zh-CN" altLang="en-US" dirty="0" smtClean="0"/>
-              <a:t>团队成员，参与的项目包括 </a:t>
-            </a:r>
-            <a:r>
-              <a:rPr lang="en-US" altLang="zh-CN" dirty="0" smtClean="0"/>
-              <a:t>Plan 9</a:t>
-            </a:r>
-            <a:r>
-              <a:rPr lang="zh-CN" altLang="en-US" dirty="0" smtClean="0"/>
-              <a:t>，</a:t>
-            </a:r>
-            <a:r>
-              <a:rPr lang="en-US" altLang="zh-CN" dirty="0" smtClean="0"/>
-              <a:t>Inferno </a:t>
-            </a:r>
-            <a:r>
-              <a:rPr lang="zh-CN" altLang="en-US" dirty="0" smtClean="0"/>
-              <a:t>操作系统和 </a:t>
-            </a:r>
-            <a:r>
-              <a:rPr lang="en-US" altLang="zh-CN" dirty="0" smtClean="0"/>
-              <a:t>Limbo </a:t>
-            </a:r>
-            <a:r>
-              <a:rPr lang="zh-CN" altLang="en-US" dirty="0" smtClean="0"/>
-              <a:t>编程语言；</a:t>
-            </a:r>
-            <a:r>
-              <a:rPr lang="en-US" altLang="zh-CN" dirty="0" smtClean="0"/>
-              <a:t>Ken Thompson</a:t>
-            </a:r>
-            <a:r>
-              <a:rPr lang="zh-CN" altLang="en-US" dirty="0" smtClean="0"/>
-              <a:t>，贝尔实验室 </a:t>
-            </a:r>
-            <a:r>
-              <a:rPr lang="en-US" altLang="zh-CN" dirty="0" smtClean="0"/>
-              <a:t>Unix </a:t>
-            </a:r>
-            <a:r>
-              <a:rPr lang="zh-CN" altLang="en-US" dirty="0" smtClean="0"/>
-              <a:t>团队成员，</a:t>
-            </a:r>
-            <a:r>
-              <a:rPr lang="en-US" altLang="zh-CN" dirty="0" smtClean="0"/>
-              <a:t>C </a:t>
-            </a:r>
-            <a:r>
-              <a:rPr lang="zh-CN" altLang="en-US" dirty="0" smtClean="0"/>
-              <a:t>语言、</a:t>
-            </a:r>
-            <a:r>
-              <a:rPr lang="en-US" altLang="zh-CN" dirty="0" smtClean="0"/>
-              <a:t>Unix </a:t>
-            </a:r>
-            <a:r>
-              <a:rPr lang="zh-CN" altLang="en-US" dirty="0" smtClean="0"/>
-              <a:t>和 </a:t>
-            </a:r>
-            <a:r>
-              <a:rPr lang="en-US" altLang="zh-CN" dirty="0" smtClean="0"/>
-              <a:t>Plan 9 </a:t>
-            </a:r>
-            <a:r>
-              <a:rPr lang="zh-CN" altLang="en-US" dirty="0" smtClean="0"/>
-              <a:t>的创始人之一，与 </a:t>
-            </a:r>
-            <a:r>
-              <a:rPr lang="en-US" altLang="zh-CN" dirty="0" smtClean="0"/>
-              <a:t>Rob Pike </a:t>
-            </a:r>
-            <a:r>
-              <a:rPr lang="zh-CN" altLang="en-US" dirty="0" smtClean="0"/>
-              <a:t>共同开发了 </a:t>
-            </a:r>
-            <a:r>
-              <a:rPr lang="en-US" altLang="zh-CN" dirty="0" smtClean="0"/>
-              <a:t>UTF-8 </a:t>
-            </a:r>
-            <a:r>
-              <a:rPr lang="zh-CN" altLang="en-US" dirty="0" smtClean="0"/>
-              <a:t>字符集规范。自 </a:t>
-            </a:r>
-            <a:r>
-              <a:rPr lang="en-US" altLang="zh-CN" dirty="0" smtClean="0"/>
-              <a:t>2008 </a:t>
-            </a:r>
-            <a:r>
-              <a:rPr lang="zh-CN" altLang="en-US" dirty="0" smtClean="0"/>
-              <a:t>年 </a:t>
-            </a:r>
-            <a:r>
-              <a:rPr lang="en-US" altLang="zh-CN" dirty="0" smtClean="0"/>
-              <a:t>1 </a:t>
-            </a:r>
-            <a:r>
-              <a:rPr lang="zh-CN" altLang="en-US" dirty="0" smtClean="0"/>
-              <a:t>月起，</a:t>
-            </a:r>
-            <a:r>
-              <a:rPr lang="en-US" altLang="zh-CN" dirty="0" smtClean="0"/>
-              <a:t>Ken Thompson </a:t>
-            </a:r>
-            <a:r>
-              <a:rPr lang="zh-CN" altLang="en-US" dirty="0" smtClean="0"/>
-              <a:t>就开始研发一款以 </a:t>
-            </a:r>
-            <a:r>
-              <a:rPr lang="en-US" altLang="zh-CN" dirty="0" smtClean="0"/>
-              <a:t>C </a:t>
-            </a:r>
-            <a:r>
-              <a:rPr lang="zh-CN" altLang="en-US" dirty="0" smtClean="0"/>
-              <a:t>语言为目标结果的编译器来拓展 </a:t>
-            </a:r>
-            <a:r>
-              <a:rPr lang="en-US" altLang="zh-CN" dirty="0" smtClean="0"/>
-              <a:t>Go </a:t>
-            </a:r>
-            <a:r>
-              <a:rPr lang="zh-CN" altLang="en-US" dirty="0" smtClean="0"/>
-              <a:t>语言的设计思想。</a:t>
+          <a:bodyPr/>
+          <a:lstStyle/>
+          <a:p>
+            <a:pPr>
+              <a:buNone/>
+            </a:pPr>
+            <a:r>
+              <a:rPr lang="zh-CN" altLang="en-US" dirty="0" smtClean="0"/>
+              <a:t>为什么要学习</a:t>
+            </a:r>
+            <a:r>
+              <a:rPr lang="en-US" altLang="zh-CN" dirty="0" smtClean="0"/>
+              <a:t>GO</a:t>
+            </a:r>
+          </a:p>
+          <a:p>
+            <a:pPr>
+              <a:buNone/>
+            </a:pPr>
+            <a:r>
+              <a:rPr lang="en-US" altLang="zh-CN" dirty="0" smtClean="0"/>
+              <a:t>GO</a:t>
+            </a:r>
+            <a:r>
+              <a:rPr lang="zh-CN" altLang="en-US" dirty="0" smtClean="0"/>
+              <a:t>对我的现在和将来有什么作用（重要难点）</a:t>
+            </a:r>
+            <a:endParaRPr lang="en-US" altLang="zh-CN" dirty="0" smtClean="0"/>
+          </a:p>
+          <a:p>
+            <a:pPr>
+              <a:buNone/>
+            </a:pPr>
+            <a:r>
+              <a:rPr lang="en-US" altLang="zh-CN" dirty="0" smtClean="0"/>
+              <a:t>GO</a:t>
+            </a:r>
+            <a:r>
+              <a:rPr lang="zh-CN" altLang="en-US" dirty="0" smtClean="0"/>
+              <a:t>对团队对公司有什么作用（目的）</a:t>
             </a:r>
             <a:endParaRPr lang="zh-CN" altLang="en-US" dirty="0"/>
           </a:p>
@@ -4180,6 +3984,33 @@
       </p:grpSpPr>
       <p:sp>
         <p:nvSpPr>
+          <p:cNvPr id="2" name="标题 1"/>
+          <p:cNvSpPr>
+            <a:spLocks noGrp="1"/>
+          </p:cNvSpPr>
+          <p:nvPr>
+            <p:ph type="title"/>
+          </p:nvPr>
+        </p:nvSpPr>
+        <p:spPr/>
+        <p:txBody>
+          <a:bodyPr/>
+          <a:lstStyle/>
+          <a:p>
+            <a:r>
+              <a:rPr lang="en-US" altLang="zh-CN" b="1" dirty="0" smtClean="0"/>
+              <a:t>1.1 </a:t>
+            </a:r>
+            <a:r>
+              <a:rPr lang="zh-CN" altLang="en-US" b="1" dirty="0" smtClean="0"/>
+              <a:t>起源与发展</a:t>
+            </a:r>
+            <a:endParaRPr lang="zh-CN" altLang="en-US" b="1" dirty="0"/>
+          </a:p>
+        </p:txBody>
+      </p:sp>
+      <p:sp>
+        <p:nvSpPr>
           <p:cNvPr id="3" name="内容占位符 2"/>
           <p:cNvSpPr>
             <a:spLocks noGrp="1"/>
@@ -4190,21 +4021,41 @@
         </p:nvSpPr>
         <p:spPr/>
         <p:txBody>
-          <a:bodyPr/>
-          <a:lstStyle/>
-          <a:p>
-            <a:r>
-              <a:rPr lang="zh-CN" altLang="en-US" b="1" dirty="0" smtClean="0"/>
-              <a:t>时间轴：</a:t>
-            </a:r>
-          </a:p>
-          <a:p>
+          <a:bodyPr>
+            <a:normAutofit fontScale="85000" lnSpcReduction="20000"/>
+          </a:bodyPr>
+          <a:lstStyle/>
+          <a:p>
+            <a:r>
+              <a:rPr lang="en-US" altLang="zh-CN" dirty="0" smtClean="0"/>
+              <a:t>Go </a:t>
+            </a:r>
+            <a:r>
+              <a:rPr lang="zh-CN" altLang="en-US" dirty="0" smtClean="0"/>
+              <a:t>语言起源 </a:t>
+            </a:r>
             <a:r>
               <a:rPr lang="en-US" altLang="zh-CN" dirty="0" smtClean="0"/>
               <a:t>2007 </a:t>
             </a:r>
             <a:r>
               <a:rPr lang="zh-CN" altLang="en-US" dirty="0" smtClean="0"/>
+              <a:t>年，并于 </a:t>
+            </a:r>
+            <a:r>
+              <a:rPr lang="en-US" altLang="zh-CN" dirty="0" smtClean="0"/>
+              <a:t>2009 </a:t>
+            </a:r>
+            <a:r>
+              <a:rPr lang="zh-CN" altLang="en-US" dirty="0" smtClean="0"/>
+              <a:t>年正式对外发布。它从 </a:t>
+            </a:r>
+            <a:r>
+              <a:rPr lang="en-US" altLang="zh-CN" dirty="0" smtClean="0"/>
+              <a:t>2009 </a:t>
+            </a:r>
+            <a:r>
+              <a:rPr lang="zh-CN" altLang="en-US" dirty="0" smtClean="0"/>
               <a:t>年 </a:t>
             </a:r>
             <a:r>
@@ -4221,13 +4072,175 @@
             </a:r>
             <a:r>
               <a:rPr lang="zh-CN" altLang="en-US" dirty="0" smtClean="0"/>
-              <a:t>日：雏形设计</a:t>
-            </a:r>
-          </a:p>
-          <a:p>
-            <a:r>
-              <a:rPr lang="en-US" altLang="zh-CN" dirty="0" smtClean="0"/>
-              <a:t>2009 </a:t>
+              <a:t>日开始作为谷歌公司 </a:t>
+            </a:r>
+            <a:r>
+              <a:rPr lang="en-US" altLang="zh-CN" dirty="0" smtClean="0"/>
+              <a:t>20% </a:t>
+            </a:r>
+            <a:r>
+              <a:rPr lang="zh-CN" altLang="en-US" dirty="0" smtClean="0"/>
+              <a:t>兼职项目，即相关员工利用 </a:t>
+            </a:r>
+            <a:r>
+              <a:rPr lang="en-US" altLang="zh-CN" dirty="0" smtClean="0"/>
+              <a:t>20% </a:t>
+            </a:r>
+            <a:r>
+              <a:rPr lang="zh-CN" altLang="en-US" dirty="0" smtClean="0"/>
+              <a:t>的空余时间来参与 </a:t>
+            </a:r>
+            <a:r>
+              <a:rPr lang="en-US" altLang="zh-CN" dirty="0" smtClean="0"/>
+              <a:t>Go </a:t>
+            </a:r>
+            <a:r>
+              <a:rPr lang="zh-CN" altLang="en-US" dirty="0" smtClean="0"/>
+              <a:t>语言的研发工作。该项目的三位领导者均是著名的 </a:t>
+            </a:r>
+            <a:r>
+              <a:rPr lang="en-US" altLang="zh-CN" dirty="0" smtClean="0"/>
+              <a:t>IT </a:t>
+            </a:r>
+            <a:r>
+              <a:rPr lang="zh-CN" altLang="en-US" dirty="0" smtClean="0"/>
+              <a:t>工程师：</a:t>
+            </a:r>
+            <a:r>
+              <a:rPr lang="en-US" altLang="zh-CN" dirty="0" smtClean="0"/>
+              <a:t>Robert </a:t>
+            </a:r>
+            <a:r>
+              <a:rPr lang="en-US" altLang="zh-CN" dirty="0" err="1" smtClean="0"/>
+              <a:t>Griesemer</a:t>
+            </a:r>
+            <a:r>
+              <a:rPr lang="zh-CN" altLang="en-US" dirty="0" smtClean="0"/>
+              <a:t>，参与开发 </a:t>
+            </a:r>
+            <a:r>
+              <a:rPr lang="en-US" altLang="zh-CN" dirty="0" smtClean="0"/>
+              <a:t>Java </a:t>
+            </a:r>
+            <a:r>
+              <a:rPr lang="en-US" altLang="zh-CN" dirty="0" err="1" smtClean="0"/>
+              <a:t>HotSpot</a:t>
+            </a:r>
+            <a:r>
+              <a:rPr lang="en-US" altLang="zh-CN" dirty="0" smtClean="0"/>
+              <a:t> </a:t>
+            </a:r>
+            <a:r>
+              <a:rPr lang="zh-CN" altLang="en-US" dirty="0" smtClean="0"/>
+              <a:t>虚拟机；</a:t>
+            </a:r>
+            <a:r>
+              <a:rPr lang="en-US" altLang="zh-CN" dirty="0" smtClean="0"/>
+              <a:t>Rob Pike</a:t>
+            </a:r>
+            <a:r>
+              <a:rPr lang="zh-CN" altLang="en-US" dirty="0" smtClean="0"/>
+              <a:t>，</a:t>
+            </a:r>
+            <a:r>
+              <a:rPr lang="en-US" altLang="zh-CN" dirty="0" smtClean="0"/>
+              <a:t>Go </a:t>
+            </a:r>
+            <a:r>
+              <a:rPr lang="zh-CN" altLang="en-US" dirty="0" smtClean="0"/>
+              <a:t>语言项目总负责人，贝尔实验室 </a:t>
+            </a:r>
+            <a:r>
+              <a:rPr lang="en-US" altLang="zh-CN" dirty="0" smtClean="0"/>
+              <a:t>Unix </a:t>
+            </a:r>
+            <a:r>
+              <a:rPr lang="zh-CN" altLang="en-US" dirty="0" smtClean="0"/>
+              <a:t>团队成员，参与的项目包括 </a:t>
+            </a:r>
+            <a:r>
+              <a:rPr lang="en-US" altLang="zh-CN" dirty="0" smtClean="0"/>
+              <a:t>Plan 9</a:t>
+            </a:r>
+            <a:r>
+              <a:rPr lang="zh-CN" altLang="en-US" dirty="0" smtClean="0"/>
+              <a:t>，</a:t>
+            </a:r>
+            <a:r>
+              <a:rPr lang="en-US" altLang="zh-CN" dirty="0" smtClean="0"/>
+              <a:t>Inferno </a:t>
+            </a:r>
+            <a:r>
+              <a:rPr lang="zh-CN" altLang="en-US" dirty="0" smtClean="0"/>
+              <a:t>操作系统和 </a:t>
+            </a:r>
+            <a:r>
+              <a:rPr lang="en-US" altLang="zh-CN" dirty="0" smtClean="0"/>
+              <a:t>Limbo </a:t>
+            </a:r>
+            <a:r>
+              <a:rPr lang="zh-CN" altLang="en-US" dirty="0" smtClean="0"/>
+              <a:t>编程语言；</a:t>
+            </a:r>
+            <a:r>
+              <a:rPr lang="en-US" altLang="zh-CN" dirty="0" smtClean="0"/>
+              <a:t>Ken Thompson</a:t>
+            </a:r>
+            <a:r>
+              <a:rPr lang="zh-CN" altLang="en-US" dirty="0" smtClean="0"/>
+              <a:t>，贝尔实验室 </a:t>
+            </a:r>
+            <a:r>
+              <a:rPr lang="en-US" altLang="zh-CN" dirty="0" smtClean="0"/>
+              <a:t>Unix </a:t>
+            </a:r>
+            <a:r>
+              <a:rPr lang="zh-CN" altLang="en-US" dirty="0" smtClean="0"/>
+              <a:t>团队成员，</a:t>
+            </a:r>
+            <a:r>
+              <a:rPr lang="en-US" altLang="zh-CN" dirty="0" smtClean="0"/>
+              <a:t>C </a:t>
+            </a:r>
+            <a:r>
+              <a:rPr lang="zh-CN" altLang="en-US" dirty="0" smtClean="0"/>
+              <a:t>语言、</a:t>
+            </a:r>
+            <a:r>
+              <a:rPr lang="en-US" altLang="zh-CN" dirty="0" smtClean="0"/>
+              <a:t>Unix </a:t>
+            </a:r>
+            <a:r>
+              <a:rPr lang="zh-CN" altLang="en-US" dirty="0" smtClean="0"/>
+              <a:t>和 </a:t>
+            </a:r>
+            <a:r>
+              <a:rPr lang="en-US" altLang="zh-CN" dirty="0" smtClean="0"/>
+              <a:t>Plan 9 </a:t>
+            </a:r>
+            <a:r>
+              <a:rPr lang="zh-CN" altLang="en-US" dirty="0" smtClean="0"/>
+              <a:t>的创始人之一，与 </a:t>
+            </a:r>
+            <a:r>
+              <a:rPr lang="en-US" altLang="zh-CN" dirty="0" smtClean="0"/>
+              <a:t>Rob Pike </a:t>
+            </a:r>
+            <a:r>
+              <a:rPr lang="zh-CN" altLang="en-US" dirty="0" smtClean="0"/>
+              <a:t>共同开发了 </a:t>
+            </a:r>
+            <a:r>
+              <a:rPr lang="en-US" altLang="zh-CN" dirty="0" smtClean="0"/>
+              <a:t>UTF-8 </a:t>
+            </a:r>
+            <a:r>
+              <a:rPr lang="zh-CN" altLang="en-US" dirty="0" smtClean="0"/>
+              <a:t>字符集规范。自 </a:t>
+            </a:r>
+            <a:r>
+              <a:rPr lang="en-US" altLang="zh-CN" dirty="0" smtClean="0"/>
+              <a:t>2008 </a:t>
             </a:r>
             <a:r>
               <a:rPr lang="zh-CN" altLang="en-US" dirty="0" smtClean="0"/>
@@ -4235,105 +4248,27 @@
             </a:r>
             <a:r>
               <a:rPr lang="en-US" altLang="zh-CN" dirty="0" smtClean="0"/>
-              <a:t>11 </a:t>
-            </a:r>
-            <a:r>
-              <a:rPr lang="zh-CN" altLang="en-US" dirty="0" smtClean="0"/>
-              <a:t>月 </a:t>
-            </a:r>
-            <a:r>
-              <a:rPr lang="en-US" altLang="zh-CN" dirty="0" smtClean="0"/>
-              <a:t>10</a:t>
-            </a:r>
-            <a:r>
-              <a:rPr lang="zh-CN" altLang="en-US" dirty="0" smtClean="0"/>
-              <a:t>日：首次公开发布</a:t>
-            </a:r>
-          </a:p>
-          <a:p>
-            <a:r>
-              <a:rPr lang="en-US" altLang="zh-CN" dirty="0" smtClean="0"/>
-              <a:t>2010 </a:t>
-            </a:r>
-            <a:r>
-              <a:rPr lang="zh-CN" altLang="en-US" dirty="0" smtClean="0"/>
-              <a:t>年 </a:t>
-            </a:r>
-            <a:r>
-              <a:rPr lang="en-US" altLang="zh-CN" dirty="0" smtClean="0"/>
               <a:t>1 </a:t>
             </a:r>
             <a:r>
               <a:rPr lang="zh-CN" altLang="en-US" dirty="0" smtClean="0"/>
-              <a:t>月 </a:t>
-            </a:r>
-            <a:r>
-              <a:rPr lang="en-US" altLang="zh-CN" dirty="0" smtClean="0"/>
-              <a:t>8 </a:t>
-            </a:r>
-            <a:r>
-              <a:rPr lang="zh-CN" altLang="en-US" dirty="0" smtClean="0"/>
-              <a:t>日：当选 </a:t>
-            </a:r>
-            <a:r>
-              <a:rPr lang="en-US" altLang="zh-CN" dirty="0" smtClean="0"/>
-              <a:t>2009 </a:t>
-            </a:r>
-            <a:r>
-              <a:rPr lang="zh-CN" altLang="en-US" dirty="0" smtClean="0"/>
-              <a:t>年年度语言</a:t>
-            </a:r>
-          </a:p>
-          <a:p>
-            <a:r>
-              <a:rPr lang="en-US" altLang="zh-CN" dirty="0" smtClean="0"/>
-              <a:t>2010 </a:t>
-            </a:r>
-            <a:r>
-              <a:rPr lang="zh-CN" altLang="en-US" dirty="0" smtClean="0"/>
-              <a:t>年 </a:t>
-            </a:r>
-            <a:r>
-              <a:rPr lang="en-US" altLang="zh-CN" dirty="0" smtClean="0"/>
-              <a:t>5 </a:t>
-            </a:r>
-            <a:r>
-              <a:rPr lang="zh-CN" altLang="en-US" dirty="0" smtClean="0"/>
-              <a:t>月：谷歌投入使用</a:t>
-            </a:r>
-          </a:p>
-          <a:p>
-            <a:r>
-              <a:rPr lang="en-US" altLang="zh-CN" dirty="0" smtClean="0"/>
-              <a:t>2011 </a:t>
-            </a:r>
-            <a:r>
-              <a:rPr lang="zh-CN" altLang="en-US" dirty="0" smtClean="0"/>
-              <a:t>年 </a:t>
-            </a:r>
-            <a:r>
-              <a:rPr lang="en-US" altLang="zh-CN" dirty="0" smtClean="0"/>
-              <a:t>5 </a:t>
-            </a:r>
-            <a:r>
-              <a:rPr lang="zh-CN" altLang="en-US" dirty="0" smtClean="0"/>
-              <a:t>月 </a:t>
-            </a:r>
-            <a:r>
-              <a:rPr lang="en-US" altLang="zh-CN" dirty="0" smtClean="0"/>
-              <a:t>5 </a:t>
-            </a:r>
-            <a:r>
-              <a:rPr lang="zh-CN" altLang="en-US" dirty="0" smtClean="0"/>
-              <a:t>日：</a:t>
-            </a:r>
-            <a:r>
-              <a:rPr lang="en-US" altLang="zh-CN" dirty="0" smtClean="0"/>
-              <a:t>Google App Engine </a:t>
-            </a:r>
-            <a:r>
-              <a:rPr lang="zh-CN" altLang="en-US" dirty="0" smtClean="0"/>
-              <a:t>支持 </a:t>
+              <a:t>月起，</a:t>
+            </a:r>
+            <a:r>
+              <a:rPr lang="en-US" altLang="zh-CN" dirty="0" smtClean="0"/>
+              <a:t>Ken Thompson </a:t>
+            </a:r>
+            <a:r>
+              <a:rPr lang="zh-CN" altLang="en-US" dirty="0" smtClean="0"/>
+              <a:t>就开始研发一款以 </a:t>
+            </a:r>
+            <a:r>
+              <a:rPr lang="en-US" altLang="zh-CN" dirty="0" smtClean="0"/>
+              <a:t>C </a:t>
+            </a:r>
+            <a:r>
+              <a:rPr lang="zh-CN" altLang="en-US" dirty="0" smtClean="0"/>
+              <a:t>语言为目标结果的编译器来拓展 </a:t>
             </a:r>
             <a:r>
               <a:rPr lang="en-US" altLang="zh-CN" dirty="0" smtClean="0"/>
@@ -4341,10 +4276,8 @@
             </a:r>
             <a:r>
               <a:rPr lang="zh-CN" altLang="en-US" dirty="0" smtClean="0"/>
-              <a:t>语言</a:t>
-            </a:r>
-          </a:p>
-          <a:p>
+              <a:t>语言的设计思想。</a:t>
+            </a:r>
             <a:endParaRPr lang="zh-CN" altLang="en-US" dirty="0"/>
           </a:p>
         </p:txBody>
@@ -4376,37 +4309,6 @@
       </p:grpSpPr>
       <p:sp>
         <p:nvSpPr>
-          <p:cNvPr id="2" name="标题 1"/>
-          <p:cNvSpPr>
-            <a:spLocks noGrp="1"/>
-          </p:cNvSpPr>
-          <p:nvPr>
-            <p:ph type="title"/>
-          </p:nvPr>
-        </p:nvSpPr>
-        <p:spPr/>
-        <p:txBody>
-          <a:bodyPr/>
-          <a:lstStyle/>
-          <a:p>
-            <a:r>
-              <a:rPr lang="en-US" altLang="zh-CN" dirty="0" smtClean="0"/>
-              <a:t>1.2</a:t>
-            </a:r>
-            <a:r>
-              <a:rPr lang="zh-CN" altLang="en-US" dirty="0" smtClean="0"/>
-              <a:t>语言特</a:t>
-            </a:r>
-            <a:r>
-              <a:rPr lang="zh-CN" altLang="en-US" dirty="0" smtClean="0"/>
-              <a:t>性与别的语言对比</a:t>
-            </a:r>
-            <a:endParaRPr lang="zh-CN" altLang="en-US" dirty="0"/>
-          </a:p>
-        </p:txBody>
-      </p:sp>
-      <p:sp>
-        <p:nvSpPr>
           <p:cNvPr id="3" name="内容占位符 2"/>
           <p:cNvSpPr>
             <a:spLocks noGrp="1"/>
@@ -4417,99 +4319,161 @@
         </p:nvSpPr>
         <p:spPr/>
         <p:txBody>
-          <a:bodyPr>
-            <a:normAutofit fontScale="92500" lnSpcReduction="10000"/>
-          </a:bodyPr>
-          <a:lstStyle/>
-          <a:p>
-            <a:r>
-              <a:rPr lang="en-US" altLang="zh-CN" dirty="0" err="1" smtClean="0">
-                <a:hlinkClick r:id="rId2"/>
-              </a:rPr>
-              <a:t>Php</a:t>
-            </a:r>
-            <a:r>
-              <a:rPr lang="en-US" altLang="zh-CN" dirty="0" smtClean="0">
-                <a:hlinkClick r:id="rId2"/>
-              </a:rPr>
-              <a:t> python </a:t>
-            </a:r>
-          </a:p>
-          <a:p>
-            <a:r>
-              <a:rPr lang="zh-CN" altLang="en-US" dirty="0" smtClean="0">
-                <a:hlinkClick r:id="rId2"/>
-              </a:rPr>
-              <a:t>开发速度快，解析型，运行效率慢</a:t>
-            </a:r>
-            <a:endParaRPr lang="en-US" altLang="zh-CN" dirty="0" smtClean="0">
-              <a:hlinkClick r:id="rId2"/>
-            </a:endParaRPr>
-          </a:p>
-          <a:p>
-            <a:r>
-              <a:rPr lang="en-US" altLang="zh-CN" dirty="0" smtClean="0">
-                <a:hlinkClick r:id="rId2"/>
-              </a:rPr>
-              <a:t>C </a:t>
-            </a:r>
-            <a:r>
-              <a:rPr lang="en-US" altLang="zh-CN" dirty="0" err="1" smtClean="0">
-                <a:hlinkClick r:id="rId2"/>
-              </a:rPr>
-              <a:t>c</a:t>
-            </a:r>
-            <a:r>
-              <a:rPr lang="en-US" altLang="zh-CN" dirty="0" smtClean="0">
-                <a:hlinkClick r:id="rId2"/>
-              </a:rPr>
-              <a:t>++  </a:t>
-            </a:r>
-          </a:p>
-          <a:p>
-            <a:r>
-              <a:rPr lang="zh-CN" altLang="en-US" dirty="0" smtClean="0">
-                <a:hlinkClick r:id="rId2"/>
-              </a:rPr>
-              <a:t>开发慢，编译慢，运行效率高，依赖环境严重，自己管理内存</a:t>
-            </a:r>
-            <a:endParaRPr lang="en-US" altLang="zh-CN" dirty="0" smtClean="0">
-              <a:hlinkClick r:id="rId2"/>
-            </a:endParaRPr>
-          </a:p>
-          <a:p>
-            <a:r>
-              <a:rPr lang="en-US" altLang="zh-CN" dirty="0" smtClean="0">
-                <a:hlinkClick r:id="rId2"/>
-              </a:rPr>
-              <a:t>c# java  </a:t>
-            </a:r>
-          </a:p>
-          <a:p>
-            <a:r>
-              <a:rPr lang="zh-CN" altLang="en-US" dirty="0" smtClean="0">
-                <a:hlinkClick r:id="rId2"/>
-              </a:rPr>
-              <a:t>开发速度适中，笨重，运行快，依赖</a:t>
-            </a:r>
-            <a:r>
-              <a:rPr lang="en-US" altLang="zh-CN" dirty="0" smtClean="0">
-                <a:hlinkClick r:id="rId2"/>
-              </a:rPr>
-              <a:t>JVM</a:t>
-            </a:r>
-          </a:p>
-          <a:p>
-            <a:pPr>
-              <a:buNone/>
-            </a:pPr>
-            <a:r>
-              <a:rPr lang="en-US" altLang="zh-CN" dirty="0" smtClean="0"/>
-              <a:t/>
-            </a:r>
-            <a:br>
-              <a:rPr lang="en-US" altLang="zh-CN" dirty="0" smtClean="0"/>
-            </a:br>
+          <a:bodyPr/>
+          <a:lstStyle/>
+          <a:p>
+            <a:r>
+              <a:rPr lang="zh-CN" altLang="en-US" b="1" dirty="0" smtClean="0"/>
+              <a:t>时间轴：</a:t>
+            </a:r>
+          </a:p>
+          <a:p>
+            <a:r>
+              <a:rPr lang="en-US" altLang="zh-CN" dirty="0" smtClean="0"/>
+              <a:t>2007 </a:t>
+            </a:r>
+            <a:r>
+              <a:rPr lang="zh-CN" altLang="en-US" dirty="0" smtClean="0"/>
+              <a:t>年 </a:t>
+            </a:r>
+            <a:r>
+              <a:rPr lang="en-US" altLang="zh-CN" dirty="0" smtClean="0"/>
+              <a:t>9 </a:t>
+            </a:r>
+            <a:r>
+              <a:rPr lang="zh-CN" altLang="en-US" dirty="0" smtClean="0"/>
+              <a:t>月 </a:t>
+            </a:r>
+            <a:r>
+              <a:rPr lang="en-US" altLang="zh-CN" dirty="0" smtClean="0"/>
+              <a:t>21 </a:t>
+            </a:r>
+            <a:r>
+              <a:rPr lang="zh-CN" altLang="en-US" dirty="0" smtClean="0"/>
+              <a:t>日：雏形设计</a:t>
+            </a:r>
+          </a:p>
+          <a:p>
+            <a:r>
+              <a:rPr lang="en-US" altLang="zh-CN" dirty="0" smtClean="0"/>
+              <a:t>2009 </a:t>
+            </a:r>
+            <a:r>
+              <a:rPr lang="zh-CN" altLang="en-US" dirty="0" smtClean="0"/>
+              <a:t>年 </a:t>
+            </a:r>
+            <a:r>
+              <a:rPr lang="en-US" altLang="zh-CN" dirty="0" smtClean="0"/>
+              <a:t>11 </a:t>
+            </a:r>
+            <a:r>
+              <a:rPr lang="zh-CN" altLang="en-US" dirty="0" smtClean="0"/>
+              <a:t>月 </a:t>
+            </a:r>
+            <a:r>
+              <a:rPr lang="en-US" altLang="zh-CN" dirty="0" smtClean="0"/>
+              <a:t>10</a:t>
+            </a:r>
+            <a:r>
+              <a:rPr lang="zh-CN" altLang="en-US" dirty="0" smtClean="0"/>
+              <a:t>日：首次公开发布</a:t>
+            </a:r>
+          </a:p>
+          <a:p>
+            <a:r>
+              <a:rPr lang="en-US" altLang="zh-CN" dirty="0" smtClean="0"/>
+              <a:t>2010 </a:t>
+            </a:r>
+            <a:r>
+              <a:rPr lang="zh-CN" altLang="en-US" dirty="0" smtClean="0"/>
+              <a:t>年 </a:t>
+            </a:r>
+            <a:r>
+              <a:rPr lang="en-US" altLang="zh-CN" dirty="0" smtClean="0"/>
+              <a:t>1 </a:t>
+            </a:r>
+            <a:r>
+              <a:rPr lang="zh-CN" altLang="en-US" dirty="0" smtClean="0"/>
+              <a:t>月 </a:t>
+            </a:r>
+            <a:r>
+              <a:rPr lang="en-US" altLang="zh-CN" dirty="0" smtClean="0"/>
+              <a:t>8 </a:t>
+            </a:r>
+            <a:r>
+              <a:rPr lang="zh-CN" altLang="en-US" dirty="0" smtClean="0"/>
+              <a:t>日：当选 </a:t>
+            </a:r>
+            <a:r>
+              <a:rPr lang="en-US" altLang="zh-CN" dirty="0" smtClean="0"/>
+              <a:t>2009 </a:t>
+            </a:r>
+            <a:r>
+              <a:rPr lang="zh-CN" altLang="en-US" dirty="0" smtClean="0"/>
+              <a:t>年年度语言</a:t>
+            </a:r>
+          </a:p>
+          <a:p>
+            <a:r>
+              <a:rPr lang="en-US" altLang="zh-CN" dirty="0" smtClean="0"/>
+              <a:t>2010 </a:t>
+            </a:r>
+            <a:r>
+              <a:rPr lang="zh-CN" altLang="en-US" dirty="0" smtClean="0"/>
+              <a:t>年 </a:t>
+            </a:r>
+            <a:r>
+              <a:rPr lang="en-US" altLang="zh-CN" dirty="0" smtClean="0"/>
+              <a:t>5 </a:t>
+            </a:r>
+            <a:r>
+              <a:rPr lang="zh-CN" altLang="en-US" dirty="0" smtClean="0"/>
+              <a:t>月：谷歌投入使用</a:t>
+            </a:r>
+          </a:p>
+          <a:p>
+            <a:r>
+              <a:rPr lang="en-US" altLang="zh-CN" dirty="0" smtClean="0"/>
+              <a:t>2011 </a:t>
+            </a:r>
+            <a:r>
+              <a:rPr lang="zh-CN" altLang="en-US" dirty="0" smtClean="0"/>
+              <a:t>年 </a:t>
+            </a:r>
+            <a:r>
+              <a:rPr lang="en-US" altLang="zh-CN" dirty="0" smtClean="0"/>
+              <a:t>5 </a:t>
+            </a:r>
+            <a:r>
+              <a:rPr lang="zh-CN" altLang="en-US" dirty="0" smtClean="0"/>
+              <a:t>月 </a:t>
+            </a:r>
+            <a:r>
+              <a:rPr lang="en-US" altLang="zh-CN" dirty="0" smtClean="0"/>
+              <a:t>5 </a:t>
+            </a:r>
+            <a:r>
+              <a:rPr lang="zh-CN" altLang="en-US" dirty="0" smtClean="0"/>
+              <a:t>日：</a:t>
+            </a:r>
+            <a:r>
+              <a:rPr lang="en-US" altLang="zh-CN" dirty="0" smtClean="0"/>
+              <a:t>Google App Engine </a:t>
+            </a:r>
+            <a:r>
+              <a:rPr lang="zh-CN" altLang="en-US" dirty="0" smtClean="0"/>
+              <a:t>支持 </a:t>
+            </a:r>
+            <a:r>
+              <a:rPr lang="en-US" altLang="zh-CN" dirty="0" smtClean="0"/>
+              <a:t>Go </a:t>
+            </a:r>
+            <a:r>
+              <a:rPr lang="zh-CN" altLang="en-US" dirty="0" smtClean="0"/>
+              <a:t>语言</a:t>
+            </a:r>
+          </a:p>
+          <a:p>
             <a:endParaRPr lang="zh-CN" altLang="en-US" dirty="0"/>
           </a:p>
         </p:txBody>
@@ -4541,6 +4505,33 @@
       </p:grpSpPr>
       <p:sp>
         <p:nvSpPr>
+          <p:cNvPr id="2" name="标题 1"/>
+          <p:cNvSpPr>
+            <a:spLocks noGrp="1"/>
+          </p:cNvSpPr>
+          <p:nvPr>
+            <p:ph type="title"/>
+          </p:nvPr>
+        </p:nvSpPr>
+        <p:spPr/>
+        <p:txBody>
+          <a:bodyPr/>
+          <a:lstStyle/>
+          <a:p>
+            <a:r>
+              <a:rPr lang="en-US" altLang="zh-CN" dirty="0" smtClean="0"/>
+              <a:t>1.2</a:t>
+            </a:r>
+            <a:r>
+              <a:rPr lang="zh-CN" altLang="en-US" dirty="0" smtClean="0"/>
+              <a:t>语言特性与别的语言对比</a:t>
+            </a:r>
+            <a:endParaRPr lang="zh-CN" altLang="en-US" dirty="0"/>
+          </a:p>
+        </p:txBody>
+      </p:sp>
+      <p:sp>
+        <p:nvSpPr>
           <p:cNvPr id="3" name="内容占位符 2"/>
           <p:cNvSpPr>
             <a:spLocks noGrp="1"/>
@@ -4549,21 +4540,32 @@
             <p:ph idx="1"/>
           </p:nvPr>
         </p:nvSpPr>
-        <p:spPr>
-          <a:xfrm>
-            <a:off x="457200" y="332656"/>
-            <a:ext cx="8229600" cy="5793507"/>
-          </a:xfrm>
-        </p:spPr>
-        <p:txBody>
-          <a:bodyPr/>
+        <p:spPr/>
+        <p:txBody>
+          <a:bodyPr>
+            <a:normAutofit fontScale="92500" lnSpcReduction="10000"/>
+          </a:bodyPr>
           <a:lstStyle/>
           <a:p>
             <a:r>
               <a:rPr lang="en-US" altLang="zh-CN" dirty="0" err="1" smtClean="0">
                 <a:hlinkClick r:id="rId2"/>
               </a:rPr>
-              <a:t>golang.org</a:t>
+              <a:t>Php</a:t>
+            </a:r>
+            <a:r>
+              <a:rPr lang="en-US" altLang="zh-CN" dirty="0" smtClean="0">
+                <a:hlinkClick r:id="rId2"/>
+              </a:rPr>
+              <a:t> python </a:t>
+            </a:r>
+          </a:p>
+          <a:p>
+            <a:r>
+              <a:rPr lang="zh-CN" altLang="en-US" dirty="0" smtClean="0">
+                <a:hlinkClick r:id="rId2"/>
+              </a:rPr>
+              <a:t>开发速度快，解析型，运行效率慢</a:t>
             </a:r>
             <a:endParaRPr lang="en-US" altLang="zh-CN" dirty="0" smtClean="0">
               <a:hlinkClick r:id="rId2"/>
@@ -4574,46 +4576,66 @@
               <a:rPr lang="en-US" altLang="zh-CN" dirty="0" smtClean="0">
                 <a:hlinkClick r:id="rId2"/>
               </a:rPr>
-              <a:t>Go </a:t>
-            </a:r>
+              <a:t>C </a:t>
+            </a:r>
+            <a:r>
+              <a:rPr lang="en-US" altLang="zh-CN" dirty="0" err="1" smtClean="0">
+                <a:hlinkClick r:id="rId2"/>
+              </a:rPr>
+              <a:t>c</a:t>
+            </a:r>
+            <a:r>
+              <a:rPr lang="en-US" altLang="zh-CN" dirty="0" smtClean="0">
+                <a:hlinkClick r:id="rId2"/>
+              </a:rPr>
+              <a:t>++  </a:t>
+            </a:r>
+          </a:p>
+          <a:p>
             <a:r>
               <a:rPr lang="zh-CN" altLang="en-US" dirty="0" smtClean="0">
                 <a:hlinkClick r:id="rId2"/>
               </a:rPr>
-              <a:t>是云计算时代的</a:t>
-            </a:r>
+              <a:t>开发慢，编译慢，运行效率高，依赖环境严重，自己管理内存</a:t>
+            </a:r>
+            <a:endParaRPr lang="en-US" altLang="zh-CN" dirty="0" smtClean="0">
+              <a:hlinkClick r:id="rId2"/>
+            </a:endParaRPr>
+          </a:p>
+          <a:p>
             <a:r>
               <a:rPr lang="en-US" altLang="zh-CN" dirty="0" smtClean="0">
                 <a:hlinkClick r:id="rId2"/>
               </a:rPr>
-              <a:t>C</a:t>
-            </a:r>
+              <a:t>c# java  </a:t>
+            </a:r>
+          </a:p>
+          <a:p>
             <a:r>
               <a:rPr lang="zh-CN" altLang="en-US" dirty="0" smtClean="0">
                 <a:hlinkClick r:id="rId2"/>
               </a:rPr>
-              <a:t>语言</a:t>
-            </a:r>
-            <a:endParaRPr lang="en-US" altLang="zh-CN" dirty="0" smtClean="0">
-              <a:hlinkClick r:id="rId2"/>
-            </a:endParaRPr>
-          </a:p>
-          <a:p>
-            <a:r>
-              <a:rPr lang="zh-CN" altLang="en-US" dirty="0" smtClean="0">
+              <a:t>开发速度适中，笨重，运行快，依赖</a:t>
+            </a:r>
+            <a:r>
+              <a:rPr lang="en-US" altLang="zh-CN" dirty="0" smtClean="0">
                 <a:hlinkClick r:id="rId2"/>
               </a:rPr>
-              <a:t>部署简</a:t>
-            </a:r>
-            <a:r>
-              <a:rPr lang="zh-CN" altLang="en-US" dirty="0" smtClean="0">
-                <a:hlinkClick r:id="rId2"/>
-              </a:rPr>
-              <a:t>单</a:t>
-            </a:r>
-            <a:endParaRPr lang="en-US" altLang="zh-CN" dirty="0" smtClean="0">
-              <a:hlinkClick r:id="rId2"/>
-            </a:endParaRPr>
+              <a:t>JVM</a:t>
+            </a:r>
+          </a:p>
+          <a:p>
+            <a:pPr>
+              <a:buNone/>
+            </a:pPr>
+            <a:r>
+              <a:rPr lang="en-US" altLang="zh-CN" dirty="0" smtClean="0"/>
+              <a:t/>
+            </a:r>
+            <a:br>
+              <a:rPr lang="en-US" altLang="zh-CN" dirty="0" smtClean="0"/>
+            </a:br>
+            <a:endParaRPr lang="zh-CN" altLang="en-US" dirty="0"/>
           </a:p>
         </p:txBody>
       </p:sp>
@@ -4644,57 +4666,76 @@
       </p:grpSpPr>
       <p:sp>
         <p:nvSpPr>
-          <p:cNvPr id="2" name="标题 1"/>
-          <p:cNvSpPr>
-            <a:spLocks noGrp="1"/>
-          </p:cNvSpPr>
-          <p:nvPr>
-            <p:ph type="title"/>
-          </p:nvPr>
-        </p:nvSpPr>
-        <p:spPr/>
-        <p:txBody>
-          <a:bodyPr/>
-          <a:lstStyle/>
-          <a:p>
-            <a:endParaRPr lang="zh-CN" altLang="en-US"/>
-          </a:p>
-        </p:txBody>
-      </p:sp>
-      <p:pic>
-        <p:nvPicPr>
-          <p:cNvPr id="6146" name="Picture 2"/>
-          <p:cNvPicPr>
-            <a:picLocks noGrp="1" noChangeAspect="1" noChangeArrowheads="1"/>
-          </p:cNvPicPr>
+          <p:cNvPr id="3" name="内容占位符 2"/>
+          <p:cNvSpPr>
+            <a:spLocks noGrp="1"/>
+          </p:cNvSpPr>
           <p:nvPr>
             <p:ph idx="1"/>
           </p:nvPr>
-        </p:nvPicPr>
-        <p:blipFill>
-          <a:blip r:embed="rId2" cstate="print"/>
-          <a:srcRect/>
-          <a:stretch>
-            <a:fillRect/>
-          </a:stretch>
-        </p:blipFill>
-        <p:spPr bwMode="auto">
+        </p:nvSpPr>
+        <p:spPr>
           <a:xfrm>
-            <a:off x="1291908" y="1600200"/>
-            <a:ext cx="6560183" cy="4525963"/>
+            <a:off x="457200" y="332656"/>
+            <a:ext cx="8229600" cy="5793507"/>
           </a:xfrm>
-          <a:prstGeom prst="rect">
-            <a:avLst/>
-          </a:prstGeom>
-          <a:noFill/>
-          <a:ln w="9525">
-            <a:noFill/>
-            <a:miter lim="800000"/>
-            <a:headEnd/>
-            <a:tailEnd/>
-          </a:ln>
         </p:spPr>
-      </p:pic>
+        <p:txBody>
+          <a:bodyPr/>
+          <a:lstStyle/>
+          <a:p>
+            <a:r>
+              <a:rPr lang="en-US" altLang="zh-CN" dirty="0" err="1" smtClean="0">
+                <a:hlinkClick r:id="rId2"/>
+              </a:rPr>
+              <a:t>golang.org</a:t>
+            </a:r>
+            <a:endParaRPr lang="en-US" altLang="zh-CN" dirty="0" smtClean="0">
+              <a:hlinkClick r:id="rId2"/>
+            </a:endParaRPr>
+          </a:p>
+          <a:p>
+            <a:r>
+              <a:rPr lang="en-US" altLang="zh-CN" dirty="0" smtClean="0">
+                <a:hlinkClick r:id="rId2"/>
+              </a:rPr>
+              <a:t>Go </a:t>
+            </a:r>
+            <a:r>
+              <a:rPr lang="zh-CN" altLang="en-US" dirty="0" smtClean="0">
+                <a:hlinkClick r:id="rId2"/>
+              </a:rPr>
+              <a:t>是云计算时代的</a:t>
+            </a:r>
+            <a:r>
+              <a:rPr lang="en-US" altLang="zh-CN" dirty="0" smtClean="0">
+                <a:hlinkClick r:id="rId2"/>
+              </a:rPr>
+              <a:t>C</a:t>
+            </a:r>
+            <a:r>
+              <a:rPr lang="zh-CN" altLang="en-US" dirty="0" smtClean="0">
+                <a:hlinkClick r:id="rId2"/>
+              </a:rPr>
+              <a:t>语言</a:t>
+            </a:r>
+            <a:endParaRPr lang="en-US" altLang="zh-CN" dirty="0" smtClean="0">
+              <a:hlinkClick r:id="rId2"/>
+            </a:endParaRPr>
+          </a:p>
+          <a:p>
+            <a:r>
+              <a:rPr lang="zh-CN" altLang="en-US" dirty="0" smtClean="0">
+                <a:hlinkClick r:id="rId2"/>
+              </a:rPr>
+              <a:t>部署简单</a:t>
+            </a:r>
+            <a:endParaRPr lang="en-US" altLang="zh-CN" dirty="0" smtClean="0">
+              <a:hlinkClick r:id="rId2"/>
+            </a:endParaRPr>
+          </a:p>
+        </p:txBody>
+      </p:sp>
     </p:spTree>
   </p:cSld>
   <p:clrMapOvr>
@@ -4741,7 +4782,7 @@
       </p:sp>
       <p:pic>
         <p:nvPicPr>
-          <p:cNvPr id="7170" name="Picture 2"/>
+          <p:cNvPr id="6146" name="Picture 2"/>
           <p:cNvPicPr>
             <a:picLocks noGrp="1" noChangeAspect="1" noChangeArrowheads="1"/>
           </p:cNvPicPr>
@@ -4758,8 +4799,8 @@
         </p:blipFill>
         <p:spPr bwMode="auto">
           <a:xfrm>
-            <a:off x="457200" y="3302709"/>
-            <a:ext cx="8229600" cy="1120944"/>
+            <a:off x="1291908" y="1600200"/>
+            <a:ext cx="6560183" cy="4525963"/>
           </a:xfrm>
           <a:prstGeom prst="rect">
             <a:avLst/>
@@ -4810,18 +4851,16 @@
         </p:nvSpPr>
         <p:spPr/>
         <p:txBody>
-          <a:bodyPr>
-            <a:normAutofit/>
-          </a:bodyPr>
-          <a:lstStyle/>
-          <a:p>
-            <a:endParaRPr lang="zh-CN" altLang="en-US" dirty="0"/>
+          <a:bodyPr/>
+          <a:lstStyle/>
+          <a:p>
+            <a:endParaRPr lang="zh-CN" altLang="en-US"/>
           </a:p>
         </p:txBody>
       </p:sp>
       <p:pic>
         <p:nvPicPr>
-          <p:cNvPr id="3074" name="Picture 2"/>
+          <p:cNvPr id="7170" name="Picture 2"/>
           <p:cNvPicPr>
             <a:picLocks noGrp="1" noChangeAspect="1" noChangeArrowheads="1"/>
           </p:cNvPicPr>
@@ -4838,8 +4877,8 @@
         </p:blipFill>
         <p:spPr bwMode="auto">
           <a:xfrm>
-            <a:off x="1269602" y="1600200"/>
-            <a:ext cx="6604796" cy="4525963"/>
+            <a:off x="457200" y="3302709"/>
+            <a:ext cx="8229600" cy="1120944"/>
           </a:xfrm>
           <a:prstGeom prst="rect">
             <a:avLst/>
@@ -4890,16 +4929,18 @@
         </p:nvSpPr>
         <p:spPr/>
         <p:txBody>
-          <a:bodyPr/>
-          <a:lstStyle/>
-          <a:p>
-            <a:endParaRPr lang="zh-CN" altLang="en-US"/>
+          <a:bodyPr>
+            <a:normAutofit/>
+          </a:bodyPr>
+          <a:lstStyle/>
+          <a:p>
+            <a:endParaRPr lang="zh-CN" altLang="en-US" dirty="0"/>
           </a:p>
         </p:txBody>
       </p:sp>
       <p:pic>
         <p:nvPicPr>
-          <p:cNvPr id="4098" name="Picture 2"/>
+          <p:cNvPr id="3074" name="Picture 2"/>
           <p:cNvPicPr>
             <a:picLocks noGrp="1" noChangeAspect="1" noChangeArrowheads="1"/>
           </p:cNvPicPr>
@@ -4916,8 +4957,8 @@
         </p:blipFill>
         <p:spPr bwMode="auto">
           <a:xfrm>
-            <a:off x="966787" y="2815431"/>
-            <a:ext cx="7210425" cy="2095500"/>
+            <a:off x="1269602" y="1600200"/>
+            <a:ext cx="6604796" cy="4525963"/>
           </a:xfrm>
           <a:prstGeom prst="rect">
             <a:avLst/>
